--- a/Конференции/7. Научная сессия ТУСУР 2018/Выступление/Презентация.pptx
+++ b/Конференции/7. Научная сессия ТУСУР 2018/Выступление/Презентация.pptx
@@ -5,23 +5,19 @@
     <p:sldMasterId id="2147483648" r:id="rId1"/>
   </p:sldMasterIdLst>
   <p:notesMasterIdLst>
-    <p:notesMasterId r:id="rId16"/>
+    <p:notesMasterId r:id="rId12"/>
   </p:notesMasterIdLst>
   <p:sldIdLst>
     <p:sldId id="256" r:id="rId2"/>
     <p:sldId id="257" r:id="rId3"/>
-    <p:sldId id="266" r:id="rId4"/>
-    <p:sldId id="267" r:id="rId5"/>
-    <p:sldId id="270" r:id="rId6"/>
-    <p:sldId id="269" r:id="rId7"/>
-    <p:sldId id="258" r:id="rId8"/>
-    <p:sldId id="261" r:id="rId9"/>
-    <p:sldId id="260" r:id="rId10"/>
-    <p:sldId id="262" r:id="rId11"/>
-    <p:sldId id="263" r:id="rId12"/>
-    <p:sldId id="264" r:id="rId13"/>
-    <p:sldId id="273" r:id="rId14"/>
-    <p:sldId id="265" r:id="rId15"/>
+    <p:sldId id="274" r:id="rId4"/>
+    <p:sldId id="275" r:id="rId5"/>
+    <p:sldId id="276" r:id="rId6"/>
+    <p:sldId id="277" r:id="rId7"/>
+    <p:sldId id="278" r:id="rId8"/>
+    <p:sldId id="279" r:id="rId9"/>
+    <p:sldId id="280" r:id="rId10"/>
+    <p:sldId id="265" r:id="rId11"/>
   </p:sldIdLst>
   <p:sldSz cx="12192000" cy="6858000"/>
   <p:notesSz cx="6858000" cy="9144000"/>
@@ -128,10 +124,6 @@
 </p:presentation>
 </file>
 
-<file path=ppt/revisionInfo.xml><?xml version="1.0" encoding="utf-8"?>
-<p1510:revInfo xmlns:a="http://schemas.openxmlformats.org/drawingml/2006/main" xmlns:r="http://schemas.openxmlformats.org/officeDocument/2006/relationships" xmlns:p1510="http://schemas.microsoft.com/office/powerpoint/2015/10/main"/>
-</file>
-
 <file path=ppt/notesMasters/notesMaster1.xml><?xml version="1.0" encoding="utf-8"?>
 <p:notesMaster xmlns:a="http://schemas.openxmlformats.org/drawingml/2006/main" xmlns:r="http://schemas.openxmlformats.org/officeDocument/2006/relationships" xmlns:p="http://schemas.openxmlformats.org/presentationml/2006/main">
   <p:cSld>
@@ -214,7 +206,7 @@
           <a:p>
             <a:fld id="{3CDD59BB-F587-4174-8240-CBA6A19AE3AC}" type="datetimeFigureOut">
               <a:rPr lang="ru-RU" smtClean="0"/>
-              <a:t>29.11.2017</a:t>
+              <a:t>17.05.2018</a:t>
             </a:fld>
             <a:endParaRPr lang="ru-RU"/>
           </a:p>
@@ -628,7 +620,7 @@
           <a:p>
             <a:fld id="{87593BBD-826F-4796-B066-4E806606F2DF}" type="datetime1">
               <a:rPr lang="ru-RU" smtClean="0"/>
-              <a:t>29.11.2017</a:t>
+              <a:t>17.05.2018</a:t>
             </a:fld>
             <a:endParaRPr lang="ru-RU"/>
           </a:p>
@@ -826,7 +818,7 @@
           <a:p>
             <a:fld id="{B1608654-EB4A-42BD-9093-4E546D4A312B}" type="datetime1">
               <a:rPr lang="ru-RU" smtClean="0"/>
-              <a:t>29.11.2017</a:t>
+              <a:t>17.05.2018</a:t>
             </a:fld>
             <a:endParaRPr lang="ru-RU"/>
           </a:p>
@@ -1034,7 +1026,7 @@
           <a:p>
             <a:fld id="{3CD12B81-BF35-4C35-9D51-F8B54C06A1A7}" type="datetime1">
               <a:rPr lang="ru-RU" smtClean="0"/>
-              <a:t>29.11.2017</a:t>
+              <a:t>17.05.2018</a:t>
             </a:fld>
             <a:endParaRPr lang="ru-RU"/>
           </a:p>
@@ -1232,7 +1224,7 @@
           <a:p>
             <a:fld id="{6DA62664-B57B-4D07-A549-56C8CE0865F8}" type="datetime1">
               <a:rPr lang="ru-RU" smtClean="0"/>
-              <a:t>29.11.2017</a:t>
+              <a:t>17.05.2018</a:t>
             </a:fld>
             <a:endParaRPr lang="ru-RU"/>
           </a:p>
@@ -1507,7 +1499,7 @@
           <a:p>
             <a:fld id="{99A99CB3-A579-4814-B932-FE8A8E3E8A67}" type="datetime1">
               <a:rPr lang="ru-RU" smtClean="0"/>
-              <a:t>29.11.2017</a:t>
+              <a:t>17.05.2018</a:t>
             </a:fld>
             <a:endParaRPr lang="ru-RU"/>
           </a:p>
@@ -1772,7 +1764,7 @@
           <a:p>
             <a:fld id="{58F28FCF-393A-4968-A35A-BF2CBF5F8A7F}" type="datetime1">
               <a:rPr lang="ru-RU" smtClean="0"/>
-              <a:t>29.11.2017</a:t>
+              <a:t>17.05.2018</a:t>
             </a:fld>
             <a:endParaRPr lang="ru-RU"/>
           </a:p>
@@ -2184,7 +2176,7 @@
           <a:p>
             <a:fld id="{531E5B59-82EA-43D9-A7A7-52C2E7313235}" type="datetime1">
               <a:rPr lang="ru-RU" smtClean="0"/>
-              <a:t>29.11.2017</a:t>
+              <a:t>17.05.2018</a:t>
             </a:fld>
             <a:endParaRPr lang="ru-RU"/>
           </a:p>
@@ -2325,7 +2317,7 @@
           <a:p>
             <a:fld id="{4AFB20A1-0D52-4DE8-AA9D-79CCA8EDB8E3}" type="datetime1">
               <a:rPr lang="ru-RU" smtClean="0"/>
-              <a:t>29.11.2017</a:t>
+              <a:t>17.05.2018</a:t>
             </a:fld>
             <a:endParaRPr lang="ru-RU"/>
           </a:p>
@@ -2438,7 +2430,7 @@
           <a:p>
             <a:fld id="{1788A952-5A91-49F0-B29B-138179033370}" type="datetime1">
               <a:rPr lang="ru-RU" smtClean="0"/>
-              <a:t>29.11.2017</a:t>
+              <a:t>17.05.2018</a:t>
             </a:fld>
             <a:endParaRPr lang="ru-RU"/>
           </a:p>
@@ -2749,7 +2741,7 @@
           <a:p>
             <a:fld id="{6A7FFA51-E5B7-4DD4-B36B-7E56FE9B1A63}" type="datetime1">
               <a:rPr lang="ru-RU" smtClean="0"/>
-              <a:t>29.11.2017</a:t>
+              <a:t>17.05.2018</a:t>
             </a:fld>
             <a:endParaRPr lang="ru-RU"/>
           </a:p>
@@ -3037,7 +3029,7 @@
           <a:p>
             <a:fld id="{9940C503-BBF1-4B5D-8BB2-7F44ED21285F}" type="datetime1">
               <a:rPr lang="ru-RU" smtClean="0"/>
-              <a:t>29.11.2017</a:t>
+              <a:t>17.05.2018</a:t>
             </a:fld>
             <a:endParaRPr lang="ru-RU"/>
           </a:p>
@@ -3278,7 +3270,7 @@
           <a:p>
             <a:fld id="{4D2D57D5-FE2B-42DA-92D2-EDC08EE69694}" type="datetime1">
               <a:rPr lang="ru-RU" smtClean="0"/>
-              <a:t>29.11.2017</a:t>
+              <a:t>17.05.2018</a:t>
             </a:fld>
             <a:endParaRPr lang="ru-RU"/>
           </a:p>
@@ -3834,524 +3826,6 @@
           <p:cNvPr id="2" name="Заголовок 1">
             <a:extLst>
               <a:ext uri="{FF2B5EF4-FFF2-40B4-BE49-F238E27FC236}">
-                <a16:creationId xmlns:a16="http://schemas.microsoft.com/office/drawing/2014/main" id="{E78C212D-F11B-4AD3-AF0B-0B147A8C414B}"/>
-              </a:ext>
-            </a:extLst>
-          </p:cNvPr>
-          <p:cNvSpPr>
-            <a:spLocks noGrp="1"/>
-          </p:cNvSpPr>
-          <p:nvPr>
-            <p:ph type="title"/>
-          </p:nvPr>
-        </p:nvSpPr>
-        <p:spPr/>
-        <p:txBody>
-          <a:bodyPr/>
-          <a:lstStyle/>
-          <a:p>
-            <a:r>
-              <a:rPr lang="ru-RU" dirty="0"/>
-              <a:t>Приложения: задача спортивного программирования</a:t>
-            </a:r>
-          </a:p>
-        </p:txBody>
-      </p:sp>
-      <p:pic>
-        <p:nvPicPr>
-          <p:cNvPr id="5" name="Объект 4">
-            <a:extLst>
-              <a:ext uri="{FF2B5EF4-FFF2-40B4-BE49-F238E27FC236}">
-                <a16:creationId xmlns:a16="http://schemas.microsoft.com/office/drawing/2014/main" id="{70533FA7-1E01-4A53-9869-9D59E237315D}"/>
-              </a:ext>
-            </a:extLst>
-          </p:cNvPr>
-          <p:cNvPicPr>
-            <a:picLocks noGrp="1" noChangeAspect="1"/>
-          </p:cNvPicPr>
-          <p:nvPr>
-            <p:ph idx="1"/>
-          </p:nvPr>
-        </p:nvPicPr>
-        <p:blipFill>
-          <a:blip r:embed="rId2">
-            <a:extLst>
-              <a:ext uri="{28A0092B-C50C-407E-A947-70E740481C1C}">
-                <a14:useLocalDpi xmlns:a14="http://schemas.microsoft.com/office/drawing/2010/main" val="0"/>
-              </a:ext>
-            </a:extLst>
-          </a:blip>
-          <a:stretch>
-            <a:fillRect/>
-          </a:stretch>
-        </p:blipFill>
-        <p:spPr>
-          <a:xfrm>
-            <a:off x="2425318" y="1825625"/>
-            <a:ext cx="7341363" cy="4351338"/>
-          </a:xfrm>
-        </p:spPr>
-      </p:pic>
-      <p:sp>
-        <p:nvSpPr>
-          <p:cNvPr id="3" name="Номер слайда 2">
-            <a:extLst>
-              <a:ext uri="{FF2B5EF4-FFF2-40B4-BE49-F238E27FC236}">
-                <a16:creationId xmlns:a16="http://schemas.microsoft.com/office/drawing/2014/main" id="{0E20E273-9BEE-4433-99D3-19F64A72522E}"/>
-              </a:ext>
-            </a:extLst>
-          </p:cNvPr>
-          <p:cNvSpPr>
-            <a:spLocks noGrp="1"/>
-          </p:cNvSpPr>
-          <p:nvPr>
-            <p:ph type="sldNum" sz="quarter" idx="12"/>
-          </p:nvPr>
-        </p:nvSpPr>
-        <p:spPr/>
-        <p:txBody>
-          <a:bodyPr/>
-          <a:lstStyle/>
-          <a:p>
-            <a:fld id="{A1F72AFE-90A1-4C6E-9381-5E055E541279}" type="slidenum">
-              <a:rPr lang="ru-RU" smtClean="0"/>
-              <a:t>10</a:t>
-            </a:fld>
-            <a:endParaRPr lang="ru-RU"/>
-          </a:p>
-        </p:txBody>
-      </p:sp>
-    </p:spTree>
-    <p:extLst>
-      <p:ext uri="{BB962C8B-B14F-4D97-AF65-F5344CB8AC3E}">
-        <p14:creationId xmlns:p14="http://schemas.microsoft.com/office/powerpoint/2010/main" val="570039056"/>
-      </p:ext>
-    </p:extLst>
-  </p:cSld>
-  <p:clrMapOvr>
-    <a:masterClrMapping/>
-  </p:clrMapOvr>
-</p:sld>
-</file>
-
-<file path=ppt/slides/slide11.xml><?xml version="1.0" encoding="utf-8"?>
-<p:sld xmlns:a="http://schemas.openxmlformats.org/drawingml/2006/main" xmlns:r="http://schemas.openxmlformats.org/officeDocument/2006/relationships" xmlns:p="http://schemas.openxmlformats.org/presentationml/2006/main">
-  <p:cSld>
-    <p:spTree>
-      <p:nvGrpSpPr>
-        <p:cNvPr id="1" name=""/>
-        <p:cNvGrpSpPr/>
-        <p:nvPr/>
-      </p:nvGrpSpPr>
-      <p:grpSpPr>
-        <a:xfrm>
-          <a:off x="0" y="0"/>
-          <a:ext cx="0" cy="0"/>
-          <a:chOff x="0" y="0"/>
-          <a:chExt cx="0" cy="0"/>
-        </a:xfrm>
-      </p:grpSpPr>
-      <p:sp>
-        <p:nvSpPr>
-          <p:cNvPr id="2" name="Заголовок 1">
-            <a:extLst>
-              <a:ext uri="{FF2B5EF4-FFF2-40B4-BE49-F238E27FC236}">
-                <a16:creationId xmlns:a16="http://schemas.microsoft.com/office/drawing/2014/main" id="{CEC68BF5-FD36-4209-8088-E474C5E29E9A}"/>
-              </a:ext>
-            </a:extLst>
-          </p:cNvPr>
-          <p:cNvSpPr>
-            <a:spLocks noGrp="1"/>
-          </p:cNvSpPr>
-          <p:nvPr>
-            <p:ph type="title"/>
-          </p:nvPr>
-        </p:nvSpPr>
-        <p:spPr/>
-        <p:txBody>
-          <a:bodyPr/>
-          <a:lstStyle/>
-          <a:p>
-            <a:r>
-              <a:rPr lang="ru-RU" dirty="0"/>
-              <a:t>Приложения: задачи по математике</a:t>
-            </a:r>
-          </a:p>
-        </p:txBody>
-      </p:sp>
-      <p:pic>
-        <p:nvPicPr>
-          <p:cNvPr id="5" name="Объект 4">
-            <a:extLst>
-              <a:ext uri="{FF2B5EF4-FFF2-40B4-BE49-F238E27FC236}">
-                <a16:creationId xmlns:a16="http://schemas.microsoft.com/office/drawing/2014/main" id="{6C4A5577-C3C2-46CE-AFC9-2137ABA9F315}"/>
-              </a:ext>
-            </a:extLst>
-          </p:cNvPr>
-          <p:cNvPicPr>
-            <a:picLocks noGrp="1" noChangeAspect="1"/>
-          </p:cNvPicPr>
-          <p:nvPr>
-            <p:ph idx="1"/>
-          </p:nvPr>
-        </p:nvPicPr>
-        <p:blipFill>
-          <a:blip r:embed="rId2">
-            <a:extLst>
-              <a:ext uri="{28A0092B-C50C-407E-A947-70E740481C1C}">
-                <a14:useLocalDpi xmlns:a14="http://schemas.microsoft.com/office/drawing/2010/main" val="0"/>
-              </a:ext>
-            </a:extLst>
-          </a:blip>
-          <a:stretch>
-            <a:fillRect/>
-          </a:stretch>
-        </p:blipFill>
-        <p:spPr>
-          <a:xfrm>
-            <a:off x="1751658" y="1825625"/>
-            <a:ext cx="8688684" cy="4351338"/>
-          </a:xfrm>
-        </p:spPr>
-      </p:pic>
-      <p:sp>
-        <p:nvSpPr>
-          <p:cNvPr id="3" name="Номер слайда 2">
-            <a:extLst>
-              <a:ext uri="{FF2B5EF4-FFF2-40B4-BE49-F238E27FC236}">
-                <a16:creationId xmlns:a16="http://schemas.microsoft.com/office/drawing/2014/main" id="{B5F58339-4237-4E79-854E-8A3724475712}"/>
-              </a:ext>
-            </a:extLst>
-          </p:cNvPr>
-          <p:cNvSpPr>
-            <a:spLocks noGrp="1"/>
-          </p:cNvSpPr>
-          <p:nvPr>
-            <p:ph type="sldNum" sz="quarter" idx="12"/>
-          </p:nvPr>
-        </p:nvSpPr>
-        <p:spPr/>
-        <p:txBody>
-          <a:bodyPr/>
-          <a:lstStyle/>
-          <a:p>
-            <a:fld id="{A1F72AFE-90A1-4C6E-9381-5E055E541279}" type="slidenum">
-              <a:rPr lang="ru-RU" smtClean="0"/>
-              <a:t>11</a:t>
-            </a:fld>
-            <a:endParaRPr lang="ru-RU"/>
-          </a:p>
-        </p:txBody>
-      </p:sp>
-    </p:spTree>
-    <p:extLst>
-      <p:ext uri="{BB962C8B-B14F-4D97-AF65-F5344CB8AC3E}">
-        <p14:creationId xmlns:p14="http://schemas.microsoft.com/office/powerpoint/2010/main" val="1643139071"/>
-      </p:ext>
-    </p:extLst>
-  </p:cSld>
-  <p:clrMapOvr>
-    <a:masterClrMapping/>
-  </p:clrMapOvr>
-</p:sld>
-</file>
-
-<file path=ppt/slides/slide12.xml><?xml version="1.0" encoding="utf-8"?>
-<p:sld xmlns:a="http://schemas.openxmlformats.org/drawingml/2006/main" xmlns:r="http://schemas.openxmlformats.org/officeDocument/2006/relationships" xmlns:p="http://schemas.openxmlformats.org/presentationml/2006/main">
-  <p:cSld>
-    <p:spTree>
-      <p:nvGrpSpPr>
-        <p:cNvPr id="1" name=""/>
-        <p:cNvGrpSpPr/>
-        <p:nvPr/>
-      </p:nvGrpSpPr>
-      <p:grpSpPr>
-        <a:xfrm>
-          <a:off x="0" y="0"/>
-          <a:ext cx="0" cy="0"/>
-          <a:chOff x="0" y="0"/>
-          <a:chExt cx="0" cy="0"/>
-        </a:xfrm>
-      </p:grpSpPr>
-      <p:sp>
-        <p:nvSpPr>
-          <p:cNvPr id="2" name="Заголовок 1">
-            <a:extLst>
-              <a:ext uri="{FF2B5EF4-FFF2-40B4-BE49-F238E27FC236}">
-                <a16:creationId xmlns:a16="http://schemas.microsoft.com/office/drawing/2014/main" id="{FB9F5583-FC48-4074-A092-2500A48706B1}"/>
-              </a:ext>
-            </a:extLst>
-          </p:cNvPr>
-          <p:cNvSpPr>
-            <a:spLocks noGrp="1"/>
-          </p:cNvSpPr>
-          <p:nvPr>
-            <p:ph type="title"/>
-          </p:nvPr>
-        </p:nvSpPr>
-        <p:spPr/>
-        <p:txBody>
-          <a:bodyPr/>
-          <a:lstStyle/>
-          <a:p>
-            <a:r>
-              <a:rPr lang="ru-RU" dirty="0"/>
-              <a:t>Приложения: эссе по литературе</a:t>
-            </a:r>
-          </a:p>
-        </p:txBody>
-      </p:sp>
-      <p:pic>
-        <p:nvPicPr>
-          <p:cNvPr id="5" name="Объект 4">
-            <a:extLst>
-              <a:ext uri="{FF2B5EF4-FFF2-40B4-BE49-F238E27FC236}">
-                <a16:creationId xmlns:a16="http://schemas.microsoft.com/office/drawing/2014/main" id="{5FA965EC-0510-44C5-B826-524C50DAAEE0}"/>
-              </a:ext>
-            </a:extLst>
-          </p:cNvPr>
-          <p:cNvPicPr>
-            <a:picLocks noGrp="1" noChangeAspect="1"/>
-          </p:cNvPicPr>
-          <p:nvPr>
-            <p:ph idx="1"/>
-          </p:nvPr>
-        </p:nvPicPr>
-        <p:blipFill>
-          <a:blip r:embed="rId2">
-            <a:extLst>
-              <a:ext uri="{28A0092B-C50C-407E-A947-70E740481C1C}">
-                <a14:useLocalDpi xmlns:a14="http://schemas.microsoft.com/office/drawing/2010/main" val="0"/>
-              </a:ext>
-            </a:extLst>
-          </a:blip>
-          <a:stretch>
-            <a:fillRect/>
-          </a:stretch>
-        </p:blipFill>
-        <p:spPr>
-          <a:xfrm>
-            <a:off x="1744662" y="1825625"/>
-            <a:ext cx="8702676" cy="4351338"/>
-          </a:xfrm>
-        </p:spPr>
-      </p:pic>
-      <p:sp>
-        <p:nvSpPr>
-          <p:cNvPr id="3" name="Номер слайда 2">
-            <a:extLst>
-              <a:ext uri="{FF2B5EF4-FFF2-40B4-BE49-F238E27FC236}">
-                <a16:creationId xmlns:a16="http://schemas.microsoft.com/office/drawing/2014/main" id="{896753AB-90DC-44FB-8ABF-541F333DBF50}"/>
-              </a:ext>
-            </a:extLst>
-          </p:cNvPr>
-          <p:cNvSpPr>
-            <a:spLocks noGrp="1"/>
-          </p:cNvSpPr>
-          <p:nvPr>
-            <p:ph type="sldNum" sz="quarter" idx="12"/>
-          </p:nvPr>
-        </p:nvSpPr>
-        <p:spPr/>
-        <p:txBody>
-          <a:bodyPr/>
-          <a:lstStyle/>
-          <a:p>
-            <a:fld id="{A1F72AFE-90A1-4C6E-9381-5E055E541279}" type="slidenum">
-              <a:rPr lang="ru-RU" smtClean="0"/>
-              <a:t>12</a:t>
-            </a:fld>
-            <a:endParaRPr lang="ru-RU"/>
-          </a:p>
-        </p:txBody>
-      </p:sp>
-    </p:spTree>
-    <p:extLst>
-      <p:ext uri="{BB962C8B-B14F-4D97-AF65-F5344CB8AC3E}">
-        <p14:creationId xmlns:p14="http://schemas.microsoft.com/office/powerpoint/2010/main" val="4060811891"/>
-      </p:ext>
-    </p:extLst>
-  </p:cSld>
-  <p:clrMapOvr>
-    <a:masterClrMapping/>
-  </p:clrMapOvr>
-</p:sld>
-</file>
-
-<file path=ppt/slides/slide13.xml><?xml version="1.0" encoding="utf-8"?>
-<p:sld xmlns:a="http://schemas.openxmlformats.org/drawingml/2006/main" xmlns:r="http://schemas.openxmlformats.org/officeDocument/2006/relationships" xmlns:p="http://schemas.openxmlformats.org/presentationml/2006/main">
-  <p:cSld>
-    <p:spTree>
-      <p:nvGrpSpPr>
-        <p:cNvPr id="1" name=""/>
-        <p:cNvGrpSpPr/>
-        <p:nvPr/>
-      </p:nvGrpSpPr>
-      <p:grpSpPr>
-        <a:xfrm>
-          <a:off x="0" y="0"/>
-          <a:ext cx="0" cy="0"/>
-          <a:chOff x="0" y="0"/>
-          <a:chExt cx="0" cy="0"/>
-        </a:xfrm>
-      </p:grpSpPr>
-      <p:sp>
-        <p:nvSpPr>
-          <p:cNvPr id="2" name="Заголовок 1">
-            <a:extLst>
-              <a:ext uri="{FF2B5EF4-FFF2-40B4-BE49-F238E27FC236}">
-                <a16:creationId xmlns:a16="http://schemas.microsoft.com/office/drawing/2014/main" id="{A8A1B5D6-6FFA-4C1E-BDA8-43FB448D713E}"/>
-              </a:ext>
-            </a:extLst>
-          </p:cNvPr>
-          <p:cNvSpPr>
-            <a:spLocks noGrp="1"/>
-          </p:cNvSpPr>
-          <p:nvPr>
-            <p:ph type="title"/>
-          </p:nvPr>
-        </p:nvSpPr>
-        <p:spPr/>
-        <p:txBody>
-          <a:bodyPr/>
-          <a:lstStyle/>
-          <a:p>
-            <a:r>
-              <a:rPr lang="ru-RU" dirty="0"/>
-              <a:t>Текущая разработка</a:t>
-            </a:r>
-          </a:p>
-        </p:txBody>
-      </p:sp>
-      <p:sp>
-        <p:nvSpPr>
-          <p:cNvPr id="3" name="Объект 2">
-            <a:extLst>
-              <a:ext uri="{FF2B5EF4-FFF2-40B4-BE49-F238E27FC236}">
-                <a16:creationId xmlns:a16="http://schemas.microsoft.com/office/drawing/2014/main" id="{3B246EE5-D3E8-4792-90E8-1D4C6A31EFDC}"/>
-              </a:ext>
-            </a:extLst>
-          </p:cNvPr>
-          <p:cNvSpPr>
-            <a:spLocks noGrp="1"/>
-          </p:cNvSpPr>
-          <p:nvPr>
-            <p:ph idx="1"/>
-          </p:nvPr>
-        </p:nvSpPr>
-        <p:spPr/>
-        <p:txBody>
-          <a:bodyPr>
-            <a:normAutofit/>
-          </a:bodyPr>
-          <a:lstStyle/>
-          <a:p>
-            <a:r>
-              <a:rPr lang="ru-RU" sz="3200" dirty="0"/>
-              <a:t>Веб-сайт</a:t>
-            </a:r>
-          </a:p>
-          <a:p>
-            <a:pPr lvl="1"/>
-            <a:r>
-              <a:rPr lang="en-US" sz="2800" dirty="0"/>
-              <a:t>Python 3</a:t>
-            </a:r>
-          </a:p>
-          <a:p>
-            <a:pPr lvl="1"/>
-            <a:r>
-              <a:rPr lang="en-US" sz="2800" dirty="0"/>
-              <a:t>Django</a:t>
-            </a:r>
-          </a:p>
-          <a:p>
-            <a:pPr lvl="1"/>
-            <a:r>
-              <a:rPr lang="en-US" sz="2800" dirty="0"/>
-              <a:t>Bootstrap 4</a:t>
-            </a:r>
-            <a:endParaRPr lang="ru-RU" sz="2800" dirty="0"/>
-          </a:p>
-          <a:p>
-            <a:r>
-              <a:rPr lang="ru-RU" sz="3200" dirty="0"/>
-              <a:t>База данных</a:t>
-            </a:r>
-          </a:p>
-          <a:p>
-            <a:pPr lvl="1"/>
-            <a:r>
-              <a:rPr lang="en-US" sz="2800" dirty="0"/>
-              <a:t>PostgreSQL</a:t>
-            </a:r>
-          </a:p>
-        </p:txBody>
-      </p:sp>
-      <p:sp>
-        <p:nvSpPr>
-          <p:cNvPr id="4" name="Номер слайда 3">
-            <a:extLst>
-              <a:ext uri="{FF2B5EF4-FFF2-40B4-BE49-F238E27FC236}">
-                <a16:creationId xmlns:a16="http://schemas.microsoft.com/office/drawing/2014/main" id="{22B936DF-95FF-4F98-9D8F-12DA490F221B}"/>
-              </a:ext>
-            </a:extLst>
-          </p:cNvPr>
-          <p:cNvSpPr>
-            <a:spLocks noGrp="1"/>
-          </p:cNvSpPr>
-          <p:nvPr>
-            <p:ph type="sldNum" sz="quarter" idx="12"/>
-          </p:nvPr>
-        </p:nvSpPr>
-        <p:spPr/>
-        <p:txBody>
-          <a:bodyPr/>
-          <a:lstStyle/>
-          <a:p>
-            <a:fld id="{A1F72AFE-90A1-4C6E-9381-5E055E541279}" type="slidenum">
-              <a:rPr lang="ru-RU" smtClean="0"/>
-              <a:t>13</a:t>
-            </a:fld>
-            <a:endParaRPr lang="ru-RU"/>
-          </a:p>
-        </p:txBody>
-      </p:sp>
-    </p:spTree>
-    <p:extLst>
-      <p:ext uri="{BB962C8B-B14F-4D97-AF65-F5344CB8AC3E}">
-        <p14:creationId xmlns:p14="http://schemas.microsoft.com/office/powerpoint/2010/main" val="2941815870"/>
-      </p:ext>
-    </p:extLst>
-  </p:cSld>
-  <p:clrMapOvr>
-    <a:masterClrMapping/>
-  </p:clrMapOvr>
-</p:sld>
-</file>
-
-<file path=ppt/slides/slide14.xml><?xml version="1.0" encoding="utf-8"?>
-<p:sld xmlns:a="http://schemas.openxmlformats.org/drawingml/2006/main" xmlns:r="http://schemas.openxmlformats.org/officeDocument/2006/relationships" xmlns:p="http://schemas.openxmlformats.org/presentationml/2006/main">
-  <p:cSld>
-    <p:spTree>
-      <p:nvGrpSpPr>
-        <p:cNvPr id="1" name=""/>
-        <p:cNvGrpSpPr/>
-        <p:nvPr/>
-      </p:nvGrpSpPr>
-      <p:grpSpPr>
-        <a:xfrm>
-          <a:off x="0" y="0"/>
-          <a:ext cx="0" cy="0"/>
-          <a:chOff x="0" y="0"/>
-          <a:chExt cx="0" cy="0"/>
-        </a:xfrm>
-      </p:grpSpPr>
-      <p:sp>
-        <p:nvSpPr>
-          <p:cNvPr id="2" name="Заголовок 1">
-            <a:extLst>
-              <a:ext uri="{FF2B5EF4-FFF2-40B4-BE49-F238E27FC236}">
                 <a16:creationId xmlns:a16="http://schemas.microsoft.com/office/drawing/2014/main" id="{6405C1FD-98C1-4C20-AF31-A1A325E40D38}"/>
               </a:ext>
             </a:extLst>
@@ -4428,7 +3902,7 @@
           <a:p>
             <a:r>
               <a:rPr lang="ru-RU" dirty="0"/>
-              <a:t>Цели системы</a:t>
+              <a:t>Существующие проблемы</a:t>
             </a:r>
           </a:p>
         </p:txBody>
@@ -4457,20 +3931,30 @@
           <a:lstStyle/>
           <a:p>
             <a:r>
+              <a:rPr lang="en-US" sz="3200" dirty="0"/>
+              <a:t>LMS (Learning Management System)</a:t>
+            </a:r>
+            <a:r>
               <a:rPr lang="ru-RU" sz="3200" dirty="0"/>
-              <a:t>Обучать студентов с помощью интересного учебного материала в интерактивной форме</a:t>
+              <a:t> используются не повсеместно</a:t>
             </a:r>
           </a:p>
           <a:p>
             <a:r>
               <a:rPr lang="ru-RU" sz="3200" dirty="0"/>
-              <a:t>Позволять преподавателям создавать разнообразный учебный материал</a:t>
+              <a:t>Неудобно обучаться сразу по нескольким курсам других организаций на различных сайтах</a:t>
             </a:r>
           </a:p>
           <a:p>
             <a:r>
               <a:rPr lang="ru-RU" sz="3200" dirty="0"/>
-              <a:t>Снизить нагрузку на преподавателей, автоматизировав работу по проверке решений</a:t>
+              <a:t>Студентам сложно собирать портфолио</a:t>
+            </a:r>
+          </a:p>
+          <a:p>
+            <a:r>
+              <a:rPr lang="ru-RU" sz="3200" dirty="0"/>
+              <a:t>Для распространения своего курса организации необходимо решить проблему его размещения</a:t>
             </a:r>
           </a:p>
         </p:txBody>
@@ -4539,7 +4023,7 @@
           <p:cNvPr id="2" name="Заголовок 1">
             <a:extLst>
               <a:ext uri="{FF2B5EF4-FFF2-40B4-BE49-F238E27FC236}">
-                <a16:creationId xmlns:a16="http://schemas.microsoft.com/office/drawing/2014/main" id="{54441293-102F-4D3E-8B99-6363F7FC66BD}"/>
+                <a16:creationId xmlns:a16="http://schemas.microsoft.com/office/drawing/2014/main" id="{A331A2DA-655C-4719-BCE6-F99381A5C985}"/>
               </a:ext>
             </a:extLst>
           </p:cNvPr>
@@ -4557,7 +4041,7 @@
           <a:p>
             <a:r>
               <a:rPr lang="ru-RU" dirty="0"/>
-              <a:t>Концепция: структура системы</a:t>
+              <a:t>Функции системы – организация</a:t>
             </a:r>
           </a:p>
         </p:txBody>
@@ -4567,7 +4051,7 @@
           <p:cNvPr id="3" name="Объект 2">
             <a:extLst>
               <a:ext uri="{FF2B5EF4-FFF2-40B4-BE49-F238E27FC236}">
-                <a16:creationId xmlns:a16="http://schemas.microsoft.com/office/drawing/2014/main" id="{5CB57872-48F8-49EA-AAE8-2D7F36E7BF25}"/>
+                <a16:creationId xmlns:a16="http://schemas.microsoft.com/office/drawing/2014/main" id="{DDB9A0C4-515C-4B76-91D5-C6C92CFC8ED8}"/>
               </a:ext>
             </a:extLst>
           </p:cNvPr>
@@ -4586,32 +4070,20 @@
           <a:lstStyle/>
           <a:p>
             <a:r>
-              <a:rPr lang="ru-RU" sz="3200" dirty="0"/>
-              <a:t>Веб-сайт</a:t>
-            </a:r>
-          </a:p>
-          <a:p>
-            <a:r>
-              <a:rPr lang="ru-RU" sz="3200" dirty="0"/>
-              <a:t>Базы данных</a:t>
-            </a:r>
-          </a:p>
-          <a:p>
-            <a:r>
-              <a:rPr lang="ru-RU" sz="3200" dirty="0"/>
-              <a:t>Серверное ПО</a:t>
-            </a:r>
-          </a:p>
-          <a:p>
-            <a:r>
-              <a:rPr lang="ru-RU" sz="3200" dirty="0"/>
-              <a:t>Учебные материалы</a:t>
-            </a:r>
-          </a:p>
-          <a:p>
-            <a:r>
-              <a:rPr lang="ru-RU" sz="3200" dirty="0"/>
-              <a:t>Приложения</a:t>
+              <a:rPr lang="ru-RU" sz="3600" dirty="0"/>
+              <a:t>Простое размещение собственных курсов</a:t>
+            </a:r>
+          </a:p>
+          <a:p>
+            <a:r>
+              <a:rPr lang="ru-RU" sz="3600" dirty="0"/>
+              <a:t>Удобное предоставление доступа к собственным курсам, в том числе на платной основе</a:t>
+            </a:r>
+          </a:p>
+          <a:p>
+            <a:r>
+              <a:rPr lang="ru-RU" sz="3600" dirty="0"/>
+              <a:t>Серверные мощности для курсов, требующих это</a:t>
             </a:r>
           </a:p>
         </p:txBody>
@@ -4621,7 +4093,7 @@
           <p:cNvPr id="4" name="Номер слайда 3">
             <a:extLst>
               <a:ext uri="{FF2B5EF4-FFF2-40B4-BE49-F238E27FC236}">
-                <a16:creationId xmlns:a16="http://schemas.microsoft.com/office/drawing/2014/main" id="{A87767A2-0F27-4CFA-AE26-F540FD220A3A}"/>
+                <a16:creationId xmlns:a16="http://schemas.microsoft.com/office/drawing/2014/main" id="{FB1003B8-98EC-461D-970C-6F205D4DFCCE}"/>
               </a:ext>
             </a:extLst>
           </p:cNvPr>
@@ -4641,14 +4113,14 @@
               <a:rPr lang="ru-RU" smtClean="0"/>
               <a:t>3</a:t>
             </a:fld>
-            <a:endParaRPr lang="ru-RU" dirty="0"/>
+            <a:endParaRPr lang="ru-RU"/>
           </a:p>
         </p:txBody>
       </p:sp>
     </p:spTree>
     <p:extLst>
       <p:ext uri="{BB962C8B-B14F-4D97-AF65-F5344CB8AC3E}">
-        <p14:creationId xmlns:p14="http://schemas.microsoft.com/office/powerpoint/2010/main" val="3568048484"/>
+        <p14:creationId xmlns:p14="http://schemas.microsoft.com/office/powerpoint/2010/main" val="3754056637"/>
       </p:ext>
     </p:extLst>
   </p:cSld>
@@ -4680,7 +4152,7 @@
           <p:cNvPr id="2" name="Заголовок 1">
             <a:extLst>
               <a:ext uri="{FF2B5EF4-FFF2-40B4-BE49-F238E27FC236}">
-                <a16:creationId xmlns:a16="http://schemas.microsoft.com/office/drawing/2014/main" id="{C68146DF-5F15-4198-8B8B-3FB085DF7DA2}"/>
+                <a16:creationId xmlns:a16="http://schemas.microsoft.com/office/drawing/2014/main" id="{F9551396-C0DE-4389-A3B0-4D20F5F87E6D}"/>
               </a:ext>
             </a:extLst>
           </p:cNvPr>
@@ -4698,7 +4170,7 @@
           <a:p>
             <a:r>
               <a:rPr lang="ru-RU" dirty="0"/>
-              <a:t>Концепция: веб-сайт, базы данных и серверное ПО</a:t>
+              <a:t>Функции системы – студент и преподаватель</a:t>
             </a:r>
           </a:p>
         </p:txBody>
@@ -4708,7 +4180,7 @@
           <p:cNvPr id="3" name="Объект 2">
             <a:extLst>
               <a:ext uri="{FF2B5EF4-FFF2-40B4-BE49-F238E27FC236}">
-                <a16:creationId xmlns:a16="http://schemas.microsoft.com/office/drawing/2014/main" id="{25C396DD-DAA8-40C7-A0A5-F22F7426398F}"/>
+                <a16:creationId xmlns:a16="http://schemas.microsoft.com/office/drawing/2014/main" id="{E7069550-4DF4-41B8-B742-61AF167B0939}"/>
               </a:ext>
             </a:extLst>
           </p:cNvPr>
@@ -4719,68 +4191,34 @@
             <p:ph idx="1"/>
           </p:nvPr>
         </p:nvSpPr>
-        <p:spPr>
-          <a:xfrm>
-            <a:off x="838200" y="1825625"/>
-            <a:ext cx="10515600" cy="4351338"/>
-          </a:xfrm>
-        </p:spPr>
+        <p:spPr/>
         <p:txBody>
           <a:bodyPr>
-            <a:normAutofit lnSpcReduction="10000"/>
+            <a:normAutofit/>
           </a:bodyPr>
           <a:lstStyle/>
           <a:p>
             <a:r>
               <a:rPr lang="ru-RU" sz="3200" dirty="0"/>
-              <a:t>Веб-сайт: </a:t>
-            </a:r>
-          </a:p>
-          <a:p>
-            <a:pPr lvl="1"/>
-            <a:r>
-              <a:rPr lang="ru-RU" sz="2800" dirty="0"/>
-              <a:t>Обеспечивает взаимодействие пользователей и системы</a:t>
+              <a:t>Доступ к электронным курсам, на которые зарегистрирован студент</a:t>
             </a:r>
           </a:p>
           <a:p>
             <a:r>
               <a:rPr lang="ru-RU" sz="3200" dirty="0"/>
-              <a:t>Базы данных: </a:t>
-            </a:r>
-          </a:p>
-          <a:p>
-            <a:pPr lvl="1"/>
-            <a:r>
-              <a:rPr lang="ru-RU" sz="2800" dirty="0"/>
-              <a:t>Глобальная БД хранит данные о пользователях, приложениях и других сущностях системы</a:t>
-            </a:r>
-          </a:p>
-          <a:p>
-            <a:pPr lvl="1"/>
-            <a:r>
-              <a:rPr lang="ru-RU" sz="2800" dirty="0"/>
-              <a:t>Локальные БД могут использоваться приложениями в своих целях</a:t>
-            </a:r>
+              <a:t>Информация о собственных достижениях студента</a:t>
+            </a:r>
+          </a:p>
+          <a:p>
+            <a:pPr marL="0" indent="0">
+              <a:buNone/>
+            </a:pPr>
+            <a:endParaRPr lang="ru-RU" sz="3200" dirty="0"/>
           </a:p>
           <a:p>
             <a:r>
               <a:rPr lang="ru-RU" sz="3200" dirty="0"/>
-              <a:t>Серверное ПО: </a:t>
-            </a:r>
-          </a:p>
-          <a:p>
-            <a:pPr lvl="1"/>
-            <a:r>
-              <a:rPr lang="ru-RU" sz="2800" dirty="0"/>
-              <a:t>Обеспечивает взаимодействие различных приложений</a:t>
-            </a:r>
-          </a:p>
-          <a:p>
-            <a:pPr lvl="1"/>
-            <a:r>
-              <a:rPr lang="ru-RU" sz="2800" dirty="0"/>
-              <a:t>Предоставляет доступ к системам контроля версий</a:t>
+              <a:t>Индивидуальные и групповые задания для студентов</a:t>
             </a:r>
           </a:p>
         </p:txBody>
@@ -4790,7 +4228,7 @@
           <p:cNvPr id="4" name="Номер слайда 3">
             <a:extLst>
               <a:ext uri="{FF2B5EF4-FFF2-40B4-BE49-F238E27FC236}">
-                <a16:creationId xmlns:a16="http://schemas.microsoft.com/office/drawing/2014/main" id="{98409171-49F3-4F3B-9DB0-EF7DB83064CA}"/>
+                <a16:creationId xmlns:a16="http://schemas.microsoft.com/office/drawing/2014/main" id="{0AF87311-04E3-4234-916D-A8C7861A6F1C}"/>
               </a:ext>
             </a:extLst>
           </p:cNvPr>
@@ -4810,14 +4248,14 @@
               <a:rPr lang="ru-RU" smtClean="0"/>
               <a:t>4</a:t>
             </a:fld>
-            <a:endParaRPr lang="ru-RU" dirty="0"/>
+            <a:endParaRPr lang="ru-RU"/>
           </a:p>
         </p:txBody>
       </p:sp>
     </p:spTree>
     <p:extLst>
       <p:ext uri="{BB962C8B-B14F-4D97-AF65-F5344CB8AC3E}">
-        <p14:creationId xmlns:p14="http://schemas.microsoft.com/office/powerpoint/2010/main" val="3412816252"/>
+        <p14:creationId xmlns:p14="http://schemas.microsoft.com/office/powerpoint/2010/main" val="355660532"/>
       </p:ext>
     </p:extLst>
   </p:cSld>
@@ -4849,7 +4287,7 @@
           <p:cNvPr id="2" name="Заголовок 1">
             <a:extLst>
               <a:ext uri="{FF2B5EF4-FFF2-40B4-BE49-F238E27FC236}">
-                <a16:creationId xmlns:a16="http://schemas.microsoft.com/office/drawing/2014/main" id="{1E156934-CAED-4CCC-8F42-51A15E9B587E}"/>
+                <a16:creationId xmlns:a16="http://schemas.microsoft.com/office/drawing/2014/main" id="{205242ED-FFFE-4D9F-82C9-80474EC0C59E}"/>
               </a:ext>
             </a:extLst>
           </p:cNvPr>
@@ -4867,49 +4305,7 @@
           <a:p>
             <a:r>
               <a:rPr lang="ru-RU" dirty="0"/>
-              <a:t>Концепция: учебные материалы</a:t>
-            </a:r>
-          </a:p>
-        </p:txBody>
-      </p:sp>
-      <p:sp>
-        <p:nvSpPr>
-          <p:cNvPr id="3" name="Объект 2">
-            <a:extLst>
-              <a:ext uri="{FF2B5EF4-FFF2-40B4-BE49-F238E27FC236}">
-                <a16:creationId xmlns:a16="http://schemas.microsoft.com/office/drawing/2014/main" id="{0A62F514-B91A-4A33-B570-6FB01AE6F7BE}"/>
-              </a:ext>
-            </a:extLst>
-          </p:cNvPr>
-          <p:cNvSpPr>
-            <a:spLocks noGrp="1"/>
-          </p:cNvSpPr>
-          <p:nvPr>
-            <p:ph idx="1"/>
-          </p:nvPr>
-        </p:nvSpPr>
-        <p:spPr/>
-        <p:txBody>
-          <a:bodyPr>
-            <a:normAutofit/>
-          </a:bodyPr>
-          <a:lstStyle/>
-          <a:p>
-            <a:r>
-              <a:rPr lang="ru-RU" sz="3200" dirty="0"/>
-              <a:t>Составляются преподавателями</a:t>
-            </a:r>
-          </a:p>
-          <a:p>
-            <a:r>
-              <a:rPr lang="ru-RU" sz="3200" dirty="0"/>
-              <a:t>Изучаются/решаются студентами</a:t>
-            </a:r>
-          </a:p>
-          <a:p>
-            <a:r>
-              <a:rPr lang="ru-RU" sz="3200" dirty="0"/>
-              <a:t>Отображаются с помощью приложений клиентской стороны</a:t>
+              <a:t>Структура системы</a:t>
             </a:r>
           </a:p>
         </p:txBody>
@@ -4919,7 +4315,7 @@
           <p:cNvPr id="4" name="Номер слайда 3">
             <a:extLst>
               <a:ext uri="{FF2B5EF4-FFF2-40B4-BE49-F238E27FC236}">
-                <a16:creationId xmlns:a16="http://schemas.microsoft.com/office/drawing/2014/main" id="{5C117AFE-3668-4E2D-B1A2-9DA8AE2D0AC1}"/>
+                <a16:creationId xmlns:a16="http://schemas.microsoft.com/office/drawing/2014/main" id="{68D387D5-F65C-46B3-AC48-6326D9F93FB3}"/>
               </a:ext>
             </a:extLst>
           </p:cNvPr>
@@ -4943,10 +4339,46 @@
           </a:p>
         </p:txBody>
       </p:sp>
+      <p:pic>
+        <p:nvPicPr>
+          <p:cNvPr id="6" name="Рисунок 5">
+            <a:extLst>
+              <a:ext uri="{FF2B5EF4-FFF2-40B4-BE49-F238E27FC236}">
+                <a16:creationId xmlns:a16="http://schemas.microsoft.com/office/drawing/2014/main" id="{9E11373C-C5BC-414D-8B08-A72A7B5062CE}"/>
+              </a:ext>
+            </a:extLst>
+          </p:cNvPr>
+          <p:cNvPicPr>
+            <a:picLocks noChangeAspect="1"/>
+          </p:cNvPicPr>
+          <p:nvPr/>
+        </p:nvPicPr>
+        <p:blipFill>
+          <a:blip r:embed="rId2">
+            <a:extLst>
+              <a:ext uri="{28A0092B-C50C-407E-A947-70E740481C1C}">
+                <a14:useLocalDpi xmlns:a14="http://schemas.microsoft.com/office/drawing/2010/main" val="0"/>
+              </a:ext>
+            </a:extLst>
+          </a:blip>
+          <a:stretch>
+            <a:fillRect/>
+          </a:stretch>
+        </p:blipFill>
+        <p:spPr>
+          <a:xfrm>
+            <a:off x="2328701" y="1346232"/>
+            <a:ext cx="7534598" cy="5146643"/>
+          </a:xfrm>
+          <a:prstGeom prst="rect">
+            <a:avLst/>
+          </a:prstGeom>
+        </p:spPr>
+      </p:pic>
     </p:spTree>
     <p:extLst>
       <p:ext uri="{BB962C8B-B14F-4D97-AF65-F5344CB8AC3E}">
-        <p14:creationId xmlns:p14="http://schemas.microsoft.com/office/powerpoint/2010/main" val="3230715197"/>
+        <p14:creationId xmlns:p14="http://schemas.microsoft.com/office/powerpoint/2010/main" val="2269991208"/>
       </p:ext>
     </p:extLst>
   </p:cSld>
@@ -4978,7 +4410,7 @@
           <p:cNvPr id="2" name="Заголовок 1">
             <a:extLst>
               <a:ext uri="{FF2B5EF4-FFF2-40B4-BE49-F238E27FC236}">
-                <a16:creationId xmlns:a16="http://schemas.microsoft.com/office/drawing/2014/main" id="{AD9B48CB-2CEE-4E2E-82A3-1789E98BF3F0}"/>
+                <a16:creationId xmlns:a16="http://schemas.microsoft.com/office/drawing/2014/main" id="{830D61CF-483A-47B9-AAD8-0C94F48CA5ED}"/>
               </a:ext>
             </a:extLst>
           </p:cNvPr>
@@ -4996,88 +4428,7 @@
           <a:p>
             <a:r>
               <a:rPr lang="ru-RU" dirty="0"/>
-              <a:t>Концепция: приложения</a:t>
-            </a:r>
-          </a:p>
-        </p:txBody>
-      </p:sp>
-      <p:sp>
-        <p:nvSpPr>
-          <p:cNvPr id="3" name="Объект 2">
-            <a:extLst>
-              <a:ext uri="{FF2B5EF4-FFF2-40B4-BE49-F238E27FC236}">
-                <a16:creationId xmlns:a16="http://schemas.microsoft.com/office/drawing/2014/main" id="{6D7E4B50-9A4D-4D61-A389-674D318970E8}"/>
-              </a:ext>
-            </a:extLst>
-          </p:cNvPr>
-          <p:cNvSpPr>
-            <a:spLocks noGrp="1"/>
-          </p:cNvSpPr>
-          <p:nvPr>
-            <p:ph idx="1"/>
-          </p:nvPr>
-        </p:nvSpPr>
-        <p:spPr/>
-        <p:txBody>
-          <a:bodyPr>
-            <a:normAutofit lnSpcReduction="10000"/>
-          </a:bodyPr>
-          <a:lstStyle/>
-          <a:p>
-            <a:r>
-              <a:rPr lang="ru-RU" sz="3200" dirty="0"/>
-              <a:t>Создаются разработчиками</a:t>
-            </a:r>
-          </a:p>
-          <a:p>
-            <a:r>
-              <a:rPr lang="ru-RU" sz="3200" dirty="0"/>
-              <a:t>Могут объединяться в системы приложений</a:t>
-            </a:r>
-          </a:p>
-          <a:p>
-            <a:r>
-              <a:rPr lang="ru-RU" sz="3200" dirty="0"/>
-              <a:t>Приложения на стороне клиента</a:t>
-            </a:r>
-          </a:p>
-          <a:p>
-            <a:pPr lvl="1"/>
-            <a:r>
-              <a:rPr lang="en-US" sz="2800" dirty="0"/>
-              <a:t>HTML + CSS + JavaScript</a:t>
-            </a:r>
-            <a:endParaRPr lang="ru-RU" sz="2800" dirty="0"/>
-          </a:p>
-          <a:p>
-            <a:pPr lvl="1"/>
-            <a:r>
-              <a:rPr lang="ru-RU" sz="2800" dirty="0"/>
-              <a:t>Необходимы для взаимодействия пользователей и систем приложений</a:t>
-            </a:r>
-          </a:p>
-          <a:p>
-            <a:r>
-              <a:rPr lang="ru-RU" sz="3200" dirty="0"/>
-              <a:t>Приложения на стороне сервера</a:t>
-            </a:r>
-          </a:p>
-          <a:p>
-            <a:pPr lvl="1"/>
-            <a:r>
-              <a:rPr lang="en-US" sz="2800" dirty="0"/>
-              <a:t>C++, Python, Java </a:t>
-            </a:r>
-            <a:r>
-              <a:rPr lang="ru-RU" sz="2800" dirty="0"/>
-              <a:t>и др.</a:t>
-            </a:r>
-          </a:p>
-          <a:p>
-            <a:pPr lvl="1"/>
-            <a:r>
-              <a:rPr lang="ru-RU" sz="2800" dirty="0"/>
-              <a:t>Осуществляют обработку каких-либо данных других приложений</a:t>
+              <a:t>Лекционное приложение</a:t>
             </a:r>
           </a:p>
         </p:txBody>
@@ -5087,7 +4438,7 @@
           <p:cNvPr id="4" name="Номер слайда 3">
             <a:extLst>
               <a:ext uri="{FF2B5EF4-FFF2-40B4-BE49-F238E27FC236}">
-                <a16:creationId xmlns:a16="http://schemas.microsoft.com/office/drawing/2014/main" id="{C12E00FB-566A-414F-BBA9-0D096154DB91}"/>
+                <a16:creationId xmlns:a16="http://schemas.microsoft.com/office/drawing/2014/main" id="{5C67FFA0-E8A5-446A-9F24-BA8414A7C154}"/>
               </a:ext>
             </a:extLst>
           </p:cNvPr>
@@ -5107,14 +4458,50 @@
               <a:rPr lang="ru-RU" smtClean="0"/>
               <a:t>6</a:t>
             </a:fld>
-            <a:endParaRPr lang="ru-RU"/>
-          </a:p>
-        </p:txBody>
-      </p:sp>
+            <a:endParaRPr lang="ru-RU" dirty="0"/>
+          </a:p>
+        </p:txBody>
+      </p:sp>
+      <p:pic>
+        <p:nvPicPr>
+          <p:cNvPr id="6" name="Рисунок 5">
+            <a:extLst>
+              <a:ext uri="{FF2B5EF4-FFF2-40B4-BE49-F238E27FC236}">
+                <a16:creationId xmlns:a16="http://schemas.microsoft.com/office/drawing/2014/main" id="{C463D805-8AFD-4D4E-96C4-1D80BDBA8218}"/>
+              </a:ext>
+            </a:extLst>
+          </p:cNvPr>
+          <p:cNvPicPr>
+            <a:picLocks noChangeAspect="1"/>
+          </p:cNvPicPr>
+          <p:nvPr/>
+        </p:nvPicPr>
+        <p:blipFill>
+          <a:blip r:embed="rId2">
+            <a:extLst>
+              <a:ext uri="{28A0092B-C50C-407E-A947-70E740481C1C}">
+                <a14:useLocalDpi xmlns:a14="http://schemas.microsoft.com/office/drawing/2010/main" val="0"/>
+              </a:ext>
+            </a:extLst>
+          </a:blip>
+          <a:stretch>
+            <a:fillRect/>
+          </a:stretch>
+        </p:blipFill>
+        <p:spPr>
+          <a:xfrm>
+            <a:off x="1295173" y="1599565"/>
+            <a:ext cx="9601653" cy="4893310"/>
+          </a:xfrm>
+          <a:prstGeom prst="rect">
+            <a:avLst/>
+          </a:prstGeom>
+        </p:spPr>
+      </p:pic>
     </p:spTree>
     <p:extLst>
       <p:ext uri="{BB962C8B-B14F-4D97-AF65-F5344CB8AC3E}">
-        <p14:creationId xmlns:p14="http://schemas.microsoft.com/office/powerpoint/2010/main" val="3837321341"/>
+        <p14:creationId xmlns:p14="http://schemas.microsoft.com/office/powerpoint/2010/main" val="3901178601"/>
       </p:ext>
     </p:extLst>
   </p:cSld>
@@ -5146,7 +4533,7 @@
           <p:cNvPr id="2" name="Заголовок 1">
             <a:extLst>
               <a:ext uri="{FF2B5EF4-FFF2-40B4-BE49-F238E27FC236}">
-                <a16:creationId xmlns:a16="http://schemas.microsoft.com/office/drawing/2014/main" id="{78095C5F-66F4-4998-9DD9-523FE97FE43B}"/>
+                <a16:creationId xmlns:a16="http://schemas.microsoft.com/office/drawing/2014/main" id="{2064616E-A783-4186-9108-DD285D64387B}"/>
               </a:ext>
             </a:extLst>
           </p:cNvPr>
@@ -5164,65 +4551,8 @@
           <a:p>
             <a:r>
               <a:rPr lang="ru-RU" dirty="0"/>
-              <a:t>Приложения: примеры</a:t>
-            </a:r>
-          </a:p>
-        </p:txBody>
-      </p:sp>
-      <p:sp>
-        <p:nvSpPr>
-          <p:cNvPr id="3" name="Объект 2">
-            <a:extLst>
-              <a:ext uri="{FF2B5EF4-FFF2-40B4-BE49-F238E27FC236}">
-                <a16:creationId xmlns:a16="http://schemas.microsoft.com/office/drawing/2014/main" id="{465F0FBB-5305-482E-8332-371F0BFBE924}"/>
-              </a:ext>
-            </a:extLst>
-          </p:cNvPr>
-          <p:cNvSpPr>
-            <a:spLocks noGrp="1"/>
-          </p:cNvSpPr>
-          <p:nvPr>
-            <p:ph idx="1"/>
-          </p:nvPr>
-        </p:nvSpPr>
-        <p:spPr/>
-        <p:txBody>
-          <a:bodyPr>
-            <a:normAutofit/>
-          </a:bodyPr>
-          <a:lstStyle/>
-          <a:p>
-            <a:r>
-              <a:rPr lang="ru-RU" sz="3200" dirty="0"/>
-              <a:t>Компиляторы/интерпретаторы</a:t>
-            </a:r>
-          </a:p>
-          <a:p>
-            <a:r>
-              <a:rPr lang="ru-RU" sz="3200" dirty="0"/>
-              <a:t>Программа для проверки программы студента на тестах</a:t>
-            </a:r>
-          </a:p>
-          <a:p>
-            <a:r>
-              <a:rPr lang="ru-RU" sz="3200" dirty="0"/>
-              <a:t>Программа для проверки результатов тестирования студента</a:t>
-            </a:r>
-          </a:p>
-          <a:p>
-            <a:r>
-              <a:rPr lang="ru-RU" sz="3200" dirty="0"/>
-              <a:t>Скрипты для отображения интерактивного лекционного материала на странице</a:t>
-            </a:r>
-          </a:p>
-          <a:p>
-            <a:r>
-              <a:rPr lang="ru-RU" sz="3200" dirty="0"/>
-              <a:t>Нейросеть для распознавания рукописного текста</a:t>
-            </a:r>
-          </a:p>
-          <a:p>
-            <a:endParaRPr lang="ru-RU" sz="3200" dirty="0"/>
+              <a:t>Задачи вида «Дано/Решение»</a:t>
+            </a:r>
           </a:p>
         </p:txBody>
       </p:sp>
@@ -5231,7 +4561,7 @@
           <p:cNvPr id="4" name="Номер слайда 3">
             <a:extLst>
               <a:ext uri="{FF2B5EF4-FFF2-40B4-BE49-F238E27FC236}">
-                <a16:creationId xmlns:a16="http://schemas.microsoft.com/office/drawing/2014/main" id="{36DF5F19-049E-4EFA-909C-B79E8E23251D}"/>
+                <a16:creationId xmlns:a16="http://schemas.microsoft.com/office/drawing/2014/main" id="{0D1B7BEF-654B-4667-93EF-AC145FE98F2D}"/>
               </a:ext>
             </a:extLst>
           </p:cNvPr>
@@ -5255,10 +4585,46 @@
           </a:p>
         </p:txBody>
       </p:sp>
+      <p:pic>
+        <p:nvPicPr>
+          <p:cNvPr id="6" name="Рисунок 5">
+            <a:extLst>
+              <a:ext uri="{FF2B5EF4-FFF2-40B4-BE49-F238E27FC236}">
+                <a16:creationId xmlns:a16="http://schemas.microsoft.com/office/drawing/2014/main" id="{6DA9EBEF-7C8D-48F3-928D-928D907E9BD7}"/>
+              </a:ext>
+            </a:extLst>
+          </p:cNvPr>
+          <p:cNvPicPr>
+            <a:picLocks noChangeAspect="1"/>
+          </p:cNvPicPr>
+          <p:nvPr/>
+        </p:nvPicPr>
+        <p:blipFill>
+          <a:blip r:embed="rId2">
+            <a:extLst>
+              <a:ext uri="{28A0092B-C50C-407E-A947-70E740481C1C}">
+                <a14:useLocalDpi xmlns:a14="http://schemas.microsoft.com/office/drawing/2010/main" val="0"/>
+              </a:ext>
+            </a:extLst>
+          </a:blip>
+          <a:stretch>
+            <a:fillRect/>
+          </a:stretch>
+        </p:blipFill>
+        <p:spPr>
+          <a:xfrm>
+            <a:off x="2256472" y="1416889"/>
+            <a:ext cx="7679055" cy="5075986"/>
+          </a:xfrm>
+          <a:prstGeom prst="rect">
+            <a:avLst/>
+          </a:prstGeom>
+        </p:spPr>
+      </p:pic>
     </p:spTree>
     <p:extLst>
       <p:ext uri="{BB962C8B-B14F-4D97-AF65-F5344CB8AC3E}">
-        <p14:creationId xmlns:p14="http://schemas.microsoft.com/office/powerpoint/2010/main" val="3698127324"/>
+        <p14:creationId xmlns:p14="http://schemas.microsoft.com/office/powerpoint/2010/main" val="3806368204"/>
       </p:ext>
     </p:extLst>
   </p:cSld>
@@ -5290,7 +4656,7 @@
           <p:cNvPr id="2" name="Заголовок 1">
             <a:extLst>
               <a:ext uri="{FF2B5EF4-FFF2-40B4-BE49-F238E27FC236}">
-                <a16:creationId xmlns:a16="http://schemas.microsoft.com/office/drawing/2014/main" id="{D36FCF8B-CE60-457C-B15E-89F89D5C9851}"/>
+                <a16:creationId xmlns:a16="http://schemas.microsoft.com/office/drawing/2014/main" id="{BEDBE49F-705B-4E4D-8775-8B06093CBC3C}"/>
               </a:ext>
             </a:extLst>
           </p:cNvPr>
@@ -5301,33 +4667,65 @@
             <p:ph type="title"/>
           </p:nvPr>
         </p:nvSpPr>
-        <p:spPr/>
+        <p:spPr>
+          <a:xfrm>
+            <a:off x="838200" y="365125"/>
+            <a:ext cx="11003280" cy="1325563"/>
+          </a:xfrm>
+        </p:spPr>
         <p:txBody>
           <a:bodyPr/>
           <a:lstStyle/>
           <a:p>
             <a:r>
               <a:rPr lang="ru-RU" dirty="0"/>
-              <a:t>Приложения: лекционный материал</a:t>
-            </a:r>
+              <a:t>Лабораторная работа по программированию</a:t>
+            </a:r>
+          </a:p>
+        </p:txBody>
+      </p:sp>
+      <p:sp>
+        <p:nvSpPr>
+          <p:cNvPr id="4" name="Номер слайда 3">
+            <a:extLst>
+              <a:ext uri="{FF2B5EF4-FFF2-40B4-BE49-F238E27FC236}">
+                <a16:creationId xmlns:a16="http://schemas.microsoft.com/office/drawing/2014/main" id="{008C58F0-0F03-4C89-999E-BA0AC52B1FFF}"/>
+              </a:ext>
+            </a:extLst>
+          </p:cNvPr>
+          <p:cNvSpPr>
+            <a:spLocks noGrp="1"/>
+          </p:cNvSpPr>
+          <p:nvPr>
+            <p:ph type="sldNum" sz="quarter" idx="12"/>
+          </p:nvPr>
+        </p:nvSpPr>
+        <p:spPr/>
+        <p:txBody>
+          <a:bodyPr/>
+          <a:lstStyle/>
+          <a:p>
+            <a:fld id="{A1F72AFE-90A1-4C6E-9381-5E055E541279}" type="slidenum">
+              <a:rPr lang="ru-RU" smtClean="0"/>
+              <a:t>8</a:t>
+            </a:fld>
+            <a:endParaRPr lang="ru-RU"/>
           </a:p>
         </p:txBody>
       </p:sp>
       <p:pic>
         <p:nvPicPr>
-          <p:cNvPr id="5" name="Объект 4">
-            <a:extLst>
-              <a:ext uri="{FF2B5EF4-FFF2-40B4-BE49-F238E27FC236}">
-                <a16:creationId xmlns:a16="http://schemas.microsoft.com/office/drawing/2014/main" id="{EDA46CE1-4725-4A5B-BC98-7B9C0B88E1FB}"/>
+          <p:cNvPr id="6" name="Рисунок 5">
+            <a:extLst>
+              <a:ext uri="{FF2B5EF4-FFF2-40B4-BE49-F238E27FC236}">
+                <a16:creationId xmlns:a16="http://schemas.microsoft.com/office/drawing/2014/main" id="{C9F86DB1-B1E5-4939-9515-54E19CDFC91D}"/>
               </a:ext>
             </a:extLst>
           </p:cNvPr>
           <p:cNvPicPr>
-            <a:picLocks noGrp="1" noChangeAspect="1"/>
+            <a:picLocks noChangeAspect="1"/>
           </p:cNvPicPr>
-          <p:nvPr>
-            <p:ph idx="1"/>
-          </p:nvPr>
+          <p:nvPr/>
         </p:nvPicPr>
         <p:blipFill>
           <a:blip r:embed="rId2">
@@ -5343,44 +4741,18 @@
         </p:blipFill>
         <p:spPr>
           <a:xfrm>
-            <a:off x="2006340" y="1825625"/>
-            <a:ext cx="8179319" cy="4351338"/>
+            <a:off x="1726406" y="1273850"/>
+            <a:ext cx="8739188" cy="5219025"/>
           </a:xfrm>
+          <a:prstGeom prst="rect">
+            <a:avLst/>
+          </a:prstGeom>
         </p:spPr>
       </p:pic>
-      <p:sp>
-        <p:nvSpPr>
-          <p:cNvPr id="3" name="Номер слайда 2">
-            <a:extLst>
-              <a:ext uri="{FF2B5EF4-FFF2-40B4-BE49-F238E27FC236}">
-                <a16:creationId xmlns:a16="http://schemas.microsoft.com/office/drawing/2014/main" id="{651FBD9B-AC86-40F5-A949-E273AC4D661F}"/>
-              </a:ext>
-            </a:extLst>
-          </p:cNvPr>
-          <p:cNvSpPr>
-            <a:spLocks noGrp="1"/>
-          </p:cNvSpPr>
-          <p:nvPr>
-            <p:ph type="sldNum" sz="quarter" idx="12"/>
-          </p:nvPr>
-        </p:nvSpPr>
-        <p:spPr/>
-        <p:txBody>
-          <a:bodyPr/>
-          <a:lstStyle/>
-          <a:p>
-            <a:fld id="{A1F72AFE-90A1-4C6E-9381-5E055E541279}" type="slidenum">
-              <a:rPr lang="ru-RU" smtClean="0"/>
-              <a:t>8</a:t>
-            </a:fld>
-            <a:endParaRPr lang="ru-RU"/>
-          </a:p>
-        </p:txBody>
-      </p:sp>
     </p:spTree>
     <p:extLst>
       <p:ext uri="{BB962C8B-B14F-4D97-AF65-F5344CB8AC3E}">
-        <p14:creationId xmlns:p14="http://schemas.microsoft.com/office/powerpoint/2010/main" val="509883585"/>
+        <p14:creationId xmlns:p14="http://schemas.microsoft.com/office/powerpoint/2010/main" val="2068472728"/>
       </p:ext>
     </p:extLst>
   </p:cSld>
@@ -5412,7 +4784,7 @@
           <p:cNvPr id="2" name="Заголовок 1">
             <a:extLst>
               <a:ext uri="{FF2B5EF4-FFF2-40B4-BE49-F238E27FC236}">
-                <a16:creationId xmlns:a16="http://schemas.microsoft.com/office/drawing/2014/main" id="{22E8955B-B82F-4B78-98BF-054D1C4DBDC5}"/>
+                <a16:creationId xmlns:a16="http://schemas.microsoft.com/office/drawing/2014/main" id="{2C1117B5-0C0A-42C4-9020-7F9069BEC5A7}"/>
               </a:ext>
             </a:extLst>
           </p:cNvPr>
@@ -5430,52 +4802,66 @@
           <a:p>
             <a:r>
               <a:rPr lang="ru-RU" dirty="0"/>
-              <a:t>Приложения: тест</a:t>
-            </a:r>
-          </a:p>
-        </p:txBody>
-      </p:sp>
-      <p:pic>
-        <p:nvPicPr>
-          <p:cNvPr id="5" name="Объект 4">
-            <a:extLst>
-              <a:ext uri="{FF2B5EF4-FFF2-40B4-BE49-F238E27FC236}">
-                <a16:creationId xmlns:a16="http://schemas.microsoft.com/office/drawing/2014/main" id="{B75A7BE2-A7C0-4B30-9BD1-E99A5B603FEF}"/>
-              </a:ext>
-            </a:extLst>
-          </p:cNvPr>
-          <p:cNvPicPr>
-            <a:picLocks noGrp="1" noChangeAspect="1"/>
-          </p:cNvPicPr>
+              <a:t>Текущая разработка</a:t>
+            </a:r>
+          </a:p>
+        </p:txBody>
+      </p:sp>
+      <p:sp>
+        <p:nvSpPr>
+          <p:cNvPr id="3" name="Объект 2">
+            <a:extLst>
+              <a:ext uri="{FF2B5EF4-FFF2-40B4-BE49-F238E27FC236}">
+                <a16:creationId xmlns:a16="http://schemas.microsoft.com/office/drawing/2014/main" id="{CF4DA6FA-8E5F-4C8C-9193-C78DCD2B5D56}"/>
+              </a:ext>
+            </a:extLst>
+          </p:cNvPr>
+          <p:cNvSpPr>
+            <a:spLocks noGrp="1"/>
+          </p:cNvSpPr>
           <p:nvPr>
             <p:ph idx="1"/>
           </p:nvPr>
-        </p:nvPicPr>
-        <p:blipFill>
-          <a:blip r:embed="rId2">
-            <a:extLst>
-              <a:ext uri="{28A0092B-C50C-407E-A947-70E740481C1C}">
-                <a14:useLocalDpi xmlns:a14="http://schemas.microsoft.com/office/drawing/2010/main" val="0"/>
-              </a:ext>
-            </a:extLst>
-          </a:blip>
-          <a:stretch>
-            <a:fillRect/>
-          </a:stretch>
-        </p:blipFill>
-        <p:spPr>
-          <a:xfrm>
-            <a:off x="2286772" y="1825625"/>
-            <a:ext cx="7618455" cy="4351338"/>
-          </a:xfrm>
-        </p:spPr>
-      </p:pic>
-      <p:sp>
-        <p:nvSpPr>
-          <p:cNvPr id="3" name="Номер слайда 2">
-            <a:extLst>
-              <a:ext uri="{FF2B5EF4-FFF2-40B4-BE49-F238E27FC236}">
-                <a16:creationId xmlns:a16="http://schemas.microsoft.com/office/drawing/2014/main" id="{24AECF2B-BCBA-4187-A09F-5703E438F154}"/>
+        </p:nvSpPr>
+        <p:spPr/>
+        <p:txBody>
+          <a:bodyPr>
+            <a:normAutofit/>
+          </a:bodyPr>
+          <a:lstStyle/>
+          <a:p>
+            <a:r>
+              <a:rPr lang="en-US" sz="3200" dirty="0"/>
+              <a:t>Python 3, Django</a:t>
+            </a:r>
+          </a:p>
+          <a:p>
+            <a:r>
+              <a:rPr lang="en-US" sz="3200" dirty="0"/>
+              <a:t>HTML + CSS + JavaScript, Bootstrap</a:t>
+            </a:r>
+          </a:p>
+          <a:p>
+            <a:r>
+              <a:rPr lang="en-US" sz="3200" dirty="0"/>
+              <a:t>PostgreSQL</a:t>
+            </a:r>
+          </a:p>
+          <a:p>
+            <a:r>
+              <a:rPr lang="en-US" sz="3200" dirty="0"/>
+              <a:t>Docker</a:t>
+            </a:r>
+            <a:endParaRPr lang="ru-RU" sz="3200" dirty="0"/>
+          </a:p>
+        </p:txBody>
+      </p:sp>
+      <p:sp>
+        <p:nvSpPr>
+          <p:cNvPr id="4" name="Номер слайда 3">
+            <a:extLst>
+              <a:ext uri="{FF2B5EF4-FFF2-40B4-BE49-F238E27FC236}">
+                <a16:creationId xmlns:a16="http://schemas.microsoft.com/office/drawing/2014/main" id="{AF31E4FC-8768-492B-90B0-AB80470A5ADE}"/>
               </a:ext>
             </a:extLst>
           </p:cNvPr>
@@ -5495,14 +4881,14 @@
               <a:rPr lang="ru-RU" smtClean="0"/>
               <a:t>9</a:t>
             </a:fld>
-            <a:endParaRPr lang="ru-RU"/>
+            <a:endParaRPr lang="ru-RU" dirty="0"/>
           </a:p>
         </p:txBody>
       </p:sp>
     </p:spTree>
     <p:extLst>
       <p:ext uri="{BB962C8B-B14F-4D97-AF65-F5344CB8AC3E}">
-        <p14:creationId xmlns:p14="http://schemas.microsoft.com/office/powerpoint/2010/main" val="2989166287"/>
+        <p14:creationId xmlns:p14="http://schemas.microsoft.com/office/powerpoint/2010/main" val="1421057017"/>
       </p:ext>
     </p:extLst>
   </p:cSld>
